--- a/journalWallFriction/pictures/pdf/twoRobotRegionH.pptx
+++ b/journalWallFriction/pictures/pdf/twoRobotRegionH.pptx
@@ -104,6 +104,22 @@
       </a:defRPr>
     </a:lvl9pPr>
   </p:defaultTextStyle>
+  <p:extLst>
+    <p:ext uri="{EFAFB233-063F-42B5-8137-9DF3F51BA10A}">
+      <p15:sldGuideLst xmlns:p15="http://schemas.microsoft.com/office/powerpoint/2012/main">
+        <p15:guide id="1" orient="horz" pos="2160">
+          <p15:clr>
+            <a:srgbClr val="A4A3A4"/>
+          </p15:clr>
+        </p15:guide>
+        <p15:guide id="2" pos="2160">
+          <p15:clr>
+            <a:srgbClr val="A4A3A4"/>
+          </p15:clr>
+        </p15:guide>
+      </p15:sldGuideLst>
+    </p:ext>
+  </p:extLst>
 </p:presentation>
 </file>
 
@@ -145,10 +161,9 @@
           <a:lstStyle/>
           <a:p>
             <a:r>
-              <a:rPr lang="en-US" smtClean="0"/>
+              <a:rPr lang="en-US"/>
               <a:t>Click to edit Master title style</a:t>
             </a:r>
-            <a:endParaRPr lang="en-US"/>
           </a:p>
         </p:txBody>
       </p:sp>
@@ -264,10 +279,9 @@
           </a:lstStyle>
           <a:p>
             <a:r>
-              <a:rPr lang="en-US" smtClean="0"/>
+              <a:rPr lang="en-US"/>
               <a:t>Click to edit Master subtitle style</a:t>
             </a:r>
-            <a:endParaRPr lang="en-US"/>
           </a:p>
         </p:txBody>
       </p:sp>
@@ -288,7 +302,7 @@
           <a:p>
             <a:fld id="{F6D6B451-1FDA-7B46-B0DD-5E4B6F79F8BF}" type="datetimeFigureOut">
               <a:rPr lang="en-US" smtClean="0"/>
-              <a:t>2/27/17</a:t>
+              <a:t>4/17/18</a:t>
             </a:fld>
             <a:endParaRPr lang="en-US"/>
           </a:p>
@@ -382,10 +396,9 @@
           <a:lstStyle/>
           <a:p>
             <a:r>
-              <a:rPr lang="en-US" smtClean="0"/>
+              <a:rPr lang="en-US"/>
               <a:t>Click to edit Master title style</a:t>
             </a:r>
-            <a:endParaRPr lang="en-US"/>
           </a:p>
         </p:txBody>
       </p:sp>
@@ -406,38 +419,37 @@
           <a:p>
             <a:pPr lvl="0"/>
             <a:r>
-              <a:rPr lang="en-US" smtClean="0"/>
+              <a:rPr lang="en-US"/>
               <a:t>Click to edit Master text styles</a:t>
             </a:r>
           </a:p>
           <a:p>
             <a:pPr lvl="1"/>
             <a:r>
-              <a:rPr lang="en-US" smtClean="0"/>
+              <a:rPr lang="en-US"/>
               <a:t>Second level</a:t>
             </a:r>
           </a:p>
           <a:p>
             <a:pPr lvl="2"/>
             <a:r>
-              <a:rPr lang="en-US" smtClean="0"/>
+              <a:rPr lang="en-US"/>
               <a:t>Third level</a:t>
             </a:r>
           </a:p>
           <a:p>
             <a:pPr lvl="3"/>
             <a:r>
-              <a:rPr lang="en-US" smtClean="0"/>
+              <a:rPr lang="en-US"/>
               <a:t>Fourth level</a:t>
             </a:r>
           </a:p>
           <a:p>
             <a:pPr lvl="4"/>
             <a:r>
-              <a:rPr lang="en-US" smtClean="0"/>
+              <a:rPr lang="en-US"/>
               <a:t>Fifth level</a:t>
             </a:r>
-            <a:endParaRPr lang="en-US"/>
           </a:p>
         </p:txBody>
       </p:sp>
@@ -458,7 +470,7 @@
           <a:p>
             <a:fld id="{F6D6B451-1FDA-7B46-B0DD-5E4B6F79F8BF}" type="datetimeFigureOut">
               <a:rPr lang="en-US" smtClean="0"/>
-              <a:t>2/27/17</a:t>
+              <a:t>4/17/18</a:t>
             </a:fld>
             <a:endParaRPr lang="en-US"/>
           </a:p>
@@ -557,10 +569,9 @@
           <a:lstStyle/>
           <a:p>
             <a:r>
-              <a:rPr lang="en-US" smtClean="0"/>
+              <a:rPr lang="en-US"/>
               <a:t>Click to edit Master title style</a:t>
             </a:r>
-            <a:endParaRPr lang="en-US"/>
           </a:p>
         </p:txBody>
       </p:sp>
@@ -586,38 +597,37 @@
           <a:p>
             <a:pPr lvl="0"/>
             <a:r>
-              <a:rPr lang="en-US" smtClean="0"/>
+              <a:rPr lang="en-US"/>
               <a:t>Click to edit Master text styles</a:t>
             </a:r>
           </a:p>
           <a:p>
             <a:pPr lvl="1"/>
             <a:r>
-              <a:rPr lang="en-US" smtClean="0"/>
+              <a:rPr lang="en-US"/>
               <a:t>Second level</a:t>
             </a:r>
           </a:p>
           <a:p>
             <a:pPr lvl="2"/>
             <a:r>
-              <a:rPr lang="en-US" smtClean="0"/>
+              <a:rPr lang="en-US"/>
               <a:t>Third level</a:t>
             </a:r>
           </a:p>
           <a:p>
             <a:pPr lvl="3"/>
             <a:r>
-              <a:rPr lang="en-US" smtClean="0"/>
+              <a:rPr lang="en-US"/>
               <a:t>Fourth level</a:t>
             </a:r>
           </a:p>
           <a:p>
             <a:pPr lvl="4"/>
             <a:r>
-              <a:rPr lang="en-US" smtClean="0"/>
+              <a:rPr lang="en-US"/>
               <a:t>Fifth level</a:t>
             </a:r>
-            <a:endParaRPr lang="en-US"/>
           </a:p>
         </p:txBody>
       </p:sp>
@@ -638,7 +648,7 @@
           <a:p>
             <a:fld id="{F6D6B451-1FDA-7B46-B0DD-5E4B6F79F8BF}" type="datetimeFigureOut">
               <a:rPr lang="en-US" smtClean="0"/>
-              <a:t>2/27/17</a:t>
+              <a:t>4/17/18</a:t>
             </a:fld>
             <a:endParaRPr lang="en-US"/>
           </a:p>
@@ -732,10 +742,9 @@
           <a:lstStyle/>
           <a:p>
             <a:r>
-              <a:rPr lang="en-US" smtClean="0"/>
+              <a:rPr lang="en-US"/>
               <a:t>Click to edit Master title style</a:t>
             </a:r>
-            <a:endParaRPr lang="en-US"/>
           </a:p>
         </p:txBody>
       </p:sp>
@@ -756,38 +765,37 @@
           <a:p>
             <a:pPr lvl="0"/>
             <a:r>
-              <a:rPr lang="en-US" smtClean="0"/>
+              <a:rPr lang="en-US"/>
               <a:t>Click to edit Master text styles</a:t>
             </a:r>
           </a:p>
           <a:p>
             <a:pPr lvl="1"/>
             <a:r>
-              <a:rPr lang="en-US" smtClean="0"/>
+              <a:rPr lang="en-US"/>
               <a:t>Second level</a:t>
             </a:r>
           </a:p>
           <a:p>
             <a:pPr lvl="2"/>
             <a:r>
-              <a:rPr lang="en-US" smtClean="0"/>
+              <a:rPr lang="en-US"/>
               <a:t>Third level</a:t>
             </a:r>
           </a:p>
           <a:p>
             <a:pPr lvl="3"/>
             <a:r>
-              <a:rPr lang="en-US" smtClean="0"/>
+              <a:rPr lang="en-US"/>
               <a:t>Fourth level</a:t>
             </a:r>
           </a:p>
           <a:p>
             <a:pPr lvl="4"/>
             <a:r>
-              <a:rPr lang="en-US" smtClean="0"/>
+              <a:rPr lang="en-US"/>
               <a:t>Fifth level</a:t>
             </a:r>
-            <a:endParaRPr lang="en-US"/>
           </a:p>
         </p:txBody>
       </p:sp>
@@ -808,7 +816,7 @@
           <a:p>
             <a:fld id="{F6D6B451-1FDA-7B46-B0DD-5E4B6F79F8BF}" type="datetimeFigureOut">
               <a:rPr lang="en-US" smtClean="0"/>
-              <a:t>2/27/17</a:t>
+              <a:t>4/17/18</a:t>
             </a:fld>
             <a:endParaRPr lang="en-US"/>
           </a:p>
@@ -911,10 +919,9 @@
           </a:lstStyle>
           <a:p>
             <a:r>
-              <a:rPr lang="en-US" smtClean="0"/>
+              <a:rPr lang="en-US"/>
               <a:t>Click to edit Master title style</a:t>
             </a:r>
-            <a:endParaRPr lang="en-US"/>
           </a:p>
         </p:txBody>
       </p:sp>
@@ -1031,7 +1038,7 @@
           <a:p>
             <a:pPr lvl="0"/>
             <a:r>
-              <a:rPr lang="en-US" smtClean="0"/>
+              <a:rPr lang="en-US"/>
               <a:t>Click to edit Master text styles</a:t>
             </a:r>
           </a:p>
@@ -1054,7 +1061,7 @@
           <a:p>
             <a:fld id="{F6D6B451-1FDA-7B46-B0DD-5E4B6F79F8BF}" type="datetimeFigureOut">
               <a:rPr lang="en-US" smtClean="0"/>
-              <a:t>2/27/17</a:t>
+              <a:t>4/17/18</a:t>
             </a:fld>
             <a:endParaRPr lang="en-US"/>
           </a:p>
@@ -1148,10 +1155,9 @@
           <a:lstStyle/>
           <a:p>
             <a:r>
-              <a:rPr lang="en-US" smtClean="0"/>
+              <a:rPr lang="en-US"/>
               <a:t>Click to edit Master title style</a:t>
             </a:r>
-            <a:endParaRPr lang="en-US"/>
           </a:p>
         </p:txBody>
       </p:sp>
@@ -1205,38 +1211,37 @@
           <a:p>
             <a:pPr lvl="0"/>
             <a:r>
-              <a:rPr lang="en-US" smtClean="0"/>
+              <a:rPr lang="en-US"/>
               <a:t>Click to edit Master text styles</a:t>
             </a:r>
           </a:p>
           <a:p>
             <a:pPr lvl="1"/>
             <a:r>
-              <a:rPr lang="en-US" smtClean="0"/>
+              <a:rPr lang="en-US"/>
               <a:t>Second level</a:t>
             </a:r>
           </a:p>
           <a:p>
             <a:pPr lvl="2"/>
             <a:r>
-              <a:rPr lang="en-US" smtClean="0"/>
+              <a:rPr lang="en-US"/>
               <a:t>Third level</a:t>
             </a:r>
           </a:p>
           <a:p>
             <a:pPr lvl="3"/>
             <a:r>
-              <a:rPr lang="en-US" smtClean="0"/>
+              <a:rPr lang="en-US"/>
               <a:t>Fourth level</a:t>
             </a:r>
           </a:p>
           <a:p>
             <a:pPr lvl="4"/>
             <a:r>
-              <a:rPr lang="en-US" smtClean="0"/>
+              <a:rPr lang="en-US"/>
               <a:t>Fifth level</a:t>
             </a:r>
-            <a:endParaRPr lang="en-US"/>
           </a:p>
         </p:txBody>
       </p:sp>
@@ -1290,38 +1295,37 @@
           <a:p>
             <a:pPr lvl="0"/>
             <a:r>
-              <a:rPr lang="en-US" smtClean="0"/>
+              <a:rPr lang="en-US"/>
               <a:t>Click to edit Master text styles</a:t>
             </a:r>
           </a:p>
           <a:p>
             <a:pPr lvl="1"/>
             <a:r>
-              <a:rPr lang="en-US" smtClean="0"/>
+              <a:rPr lang="en-US"/>
               <a:t>Second level</a:t>
             </a:r>
           </a:p>
           <a:p>
             <a:pPr lvl="2"/>
             <a:r>
-              <a:rPr lang="en-US" smtClean="0"/>
+              <a:rPr lang="en-US"/>
               <a:t>Third level</a:t>
             </a:r>
           </a:p>
           <a:p>
             <a:pPr lvl="3"/>
             <a:r>
-              <a:rPr lang="en-US" smtClean="0"/>
+              <a:rPr lang="en-US"/>
               <a:t>Fourth level</a:t>
             </a:r>
           </a:p>
           <a:p>
             <a:pPr lvl="4"/>
             <a:r>
-              <a:rPr lang="en-US" smtClean="0"/>
+              <a:rPr lang="en-US"/>
               <a:t>Fifth level</a:t>
             </a:r>
-            <a:endParaRPr lang="en-US"/>
           </a:p>
         </p:txBody>
       </p:sp>
@@ -1342,7 +1346,7 @@
           <a:p>
             <a:fld id="{F6D6B451-1FDA-7B46-B0DD-5E4B6F79F8BF}" type="datetimeFigureOut">
               <a:rPr lang="en-US" smtClean="0"/>
-              <a:t>2/27/17</a:t>
+              <a:t>4/17/18</a:t>
             </a:fld>
             <a:endParaRPr lang="en-US"/>
           </a:p>
@@ -1445,10 +1449,9 @@
           </a:lstStyle>
           <a:p>
             <a:r>
-              <a:rPr lang="en-US" smtClean="0"/>
+              <a:rPr lang="en-US"/>
               <a:t>Click to edit Master title style</a:t>
             </a:r>
-            <a:endParaRPr lang="en-US"/>
           </a:p>
         </p:txBody>
       </p:sp>
@@ -1511,7 +1514,7 @@
           <a:p>
             <a:pPr lvl="0"/>
             <a:r>
-              <a:rPr lang="en-US" smtClean="0"/>
+              <a:rPr lang="en-US"/>
               <a:t>Click to edit Master text styles</a:t>
             </a:r>
           </a:p>
@@ -1567,38 +1570,37 @@
           <a:p>
             <a:pPr lvl="0"/>
             <a:r>
-              <a:rPr lang="en-US" smtClean="0"/>
+              <a:rPr lang="en-US"/>
               <a:t>Click to edit Master text styles</a:t>
             </a:r>
           </a:p>
           <a:p>
             <a:pPr lvl="1"/>
             <a:r>
-              <a:rPr lang="en-US" smtClean="0"/>
+              <a:rPr lang="en-US"/>
               <a:t>Second level</a:t>
             </a:r>
           </a:p>
           <a:p>
             <a:pPr lvl="2"/>
             <a:r>
-              <a:rPr lang="en-US" smtClean="0"/>
+              <a:rPr lang="en-US"/>
               <a:t>Third level</a:t>
             </a:r>
           </a:p>
           <a:p>
             <a:pPr lvl="3"/>
             <a:r>
-              <a:rPr lang="en-US" smtClean="0"/>
+              <a:rPr lang="en-US"/>
               <a:t>Fourth level</a:t>
             </a:r>
           </a:p>
           <a:p>
             <a:pPr lvl="4"/>
             <a:r>
-              <a:rPr lang="en-US" smtClean="0"/>
+              <a:rPr lang="en-US"/>
               <a:t>Fifth level</a:t>
             </a:r>
-            <a:endParaRPr lang="en-US"/>
           </a:p>
         </p:txBody>
       </p:sp>
@@ -1661,7 +1663,7 @@
           <a:p>
             <a:pPr lvl="0"/>
             <a:r>
-              <a:rPr lang="en-US" smtClean="0"/>
+              <a:rPr lang="en-US"/>
               <a:t>Click to edit Master text styles</a:t>
             </a:r>
           </a:p>
@@ -1717,38 +1719,37 @@
           <a:p>
             <a:pPr lvl="0"/>
             <a:r>
-              <a:rPr lang="en-US" smtClean="0"/>
+              <a:rPr lang="en-US"/>
               <a:t>Click to edit Master text styles</a:t>
             </a:r>
           </a:p>
           <a:p>
             <a:pPr lvl="1"/>
             <a:r>
-              <a:rPr lang="en-US" smtClean="0"/>
+              <a:rPr lang="en-US"/>
               <a:t>Second level</a:t>
             </a:r>
           </a:p>
           <a:p>
             <a:pPr lvl="2"/>
             <a:r>
-              <a:rPr lang="en-US" smtClean="0"/>
+              <a:rPr lang="en-US"/>
               <a:t>Third level</a:t>
             </a:r>
           </a:p>
           <a:p>
             <a:pPr lvl="3"/>
             <a:r>
-              <a:rPr lang="en-US" smtClean="0"/>
+              <a:rPr lang="en-US"/>
               <a:t>Fourth level</a:t>
             </a:r>
           </a:p>
           <a:p>
             <a:pPr lvl="4"/>
             <a:r>
-              <a:rPr lang="en-US" smtClean="0"/>
+              <a:rPr lang="en-US"/>
               <a:t>Fifth level</a:t>
             </a:r>
-            <a:endParaRPr lang="en-US"/>
           </a:p>
         </p:txBody>
       </p:sp>
@@ -1769,7 +1770,7 @@
           <a:p>
             <a:fld id="{F6D6B451-1FDA-7B46-B0DD-5E4B6F79F8BF}" type="datetimeFigureOut">
               <a:rPr lang="en-US" smtClean="0"/>
-              <a:t>2/27/17</a:t>
+              <a:t>4/17/18</a:t>
             </a:fld>
             <a:endParaRPr lang="en-US"/>
           </a:p>
@@ -1863,10 +1864,9 @@
           <a:lstStyle/>
           <a:p>
             <a:r>
-              <a:rPr lang="en-US" smtClean="0"/>
+              <a:rPr lang="en-US"/>
               <a:t>Click to edit Master title style</a:t>
             </a:r>
-            <a:endParaRPr lang="en-US"/>
           </a:p>
         </p:txBody>
       </p:sp>
@@ -1887,7 +1887,7 @@
           <a:p>
             <a:fld id="{F6D6B451-1FDA-7B46-B0DD-5E4B6F79F8BF}" type="datetimeFigureOut">
               <a:rPr lang="en-US" smtClean="0"/>
-              <a:t>2/27/17</a:t>
+              <a:t>4/17/18</a:t>
             </a:fld>
             <a:endParaRPr lang="en-US"/>
           </a:p>
@@ -1982,7 +1982,7 @@
           <a:p>
             <a:fld id="{F6D6B451-1FDA-7B46-B0DD-5E4B6F79F8BF}" type="datetimeFigureOut">
               <a:rPr lang="en-US" smtClean="0"/>
-              <a:t>2/27/17</a:t>
+              <a:t>4/17/18</a:t>
             </a:fld>
             <a:endParaRPr lang="en-US"/>
           </a:p>
@@ -2085,10 +2085,9 @@
           </a:lstStyle>
           <a:p>
             <a:r>
-              <a:rPr lang="en-US" smtClean="0"/>
+              <a:rPr lang="en-US"/>
               <a:t>Click to edit Master title style</a:t>
             </a:r>
-            <a:endParaRPr lang="en-US"/>
           </a:p>
         </p:txBody>
       </p:sp>
@@ -2142,38 +2141,37 @@
           <a:p>
             <a:pPr lvl="0"/>
             <a:r>
-              <a:rPr lang="en-US" smtClean="0"/>
+              <a:rPr lang="en-US"/>
               <a:t>Click to edit Master text styles</a:t>
             </a:r>
           </a:p>
           <a:p>
             <a:pPr lvl="1"/>
             <a:r>
-              <a:rPr lang="en-US" smtClean="0"/>
+              <a:rPr lang="en-US"/>
               <a:t>Second level</a:t>
             </a:r>
           </a:p>
           <a:p>
             <a:pPr lvl="2"/>
             <a:r>
-              <a:rPr lang="en-US" smtClean="0"/>
+              <a:rPr lang="en-US"/>
               <a:t>Third level</a:t>
             </a:r>
           </a:p>
           <a:p>
             <a:pPr lvl="3"/>
             <a:r>
-              <a:rPr lang="en-US" smtClean="0"/>
+              <a:rPr lang="en-US"/>
               <a:t>Fourth level</a:t>
             </a:r>
           </a:p>
           <a:p>
             <a:pPr lvl="4"/>
             <a:r>
-              <a:rPr lang="en-US" smtClean="0"/>
+              <a:rPr lang="en-US"/>
               <a:t>Fifth level</a:t>
             </a:r>
-            <a:endParaRPr lang="en-US"/>
           </a:p>
         </p:txBody>
       </p:sp>
@@ -2236,7 +2234,7 @@
           <a:p>
             <a:pPr lvl="0"/>
             <a:r>
-              <a:rPr lang="en-US" smtClean="0"/>
+              <a:rPr lang="en-US"/>
               <a:t>Click to edit Master text styles</a:t>
             </a:r>
           </a:p>
@@ -2259,7 +2257,7 @@
           <a:p>
             <a:fld id="{F6D6B451-1FDA-7B46-B0DD-5E4B6F79F8BF}" type="datetimeFigureOut">
               <a:rPr lang="en-US" smtClean="0"/>
-              <a:t>2/27/17</a:t>
+              <a:t>4/17/18</a:t>
             </a:fld>
             <a:endParaRPr lang="en-US"/>
           </a:p>
@@ -2362,10 +2360,9 @@
           </a:lstStyle>
           <a:p>
             <a:r>
-              <a:rPr lang="en-US" smtClean="0"/>
+              <a:rPr lang="en-US"/>
               <a:t>Click to edit Master title style</a:t>
             </a:r>
-            <a:endParaRPr lang="en-US"/>
           </a:p>
         </p:txBody>
       </p:sp>
@@ -2489,7 +2486,7 @@
           <a:p>
             <a:pPr lvl="0"/>
             <a:r>
-              <a:rPr lang="en-US" smtClean="0"/>
+              <a:rPr lang="en-US"/>
               <a:t>Click to edit Master text styles</a:t>
             </a:r>
           </a:p>
@@ -2512,7 +2509,7 @@
           <a:p>
             <a:fld id="{F6D6B451-1FDA-7B46-B0DD-5E4B6F79F8BF}" type="datetimeFigureOut">
               <a:rPr lang="en-US" smtClean="0"/>
-              <a:t>2/27/17</a:t>
+              <a:t>4/17/18</a:t>
             </a:fld>
             <a:endParaRPr lang="en-US"/>
           </a:p>
@@ -2621,10 +2618,9 @@
           <a:lstStyle/>
           <a:p>
             <a:r>
-              <a:rPr lang="en-US" smtClean="0"/>
+              <a:rPr lang="en-US"/>
               <a:t>Click to edit Master title style</a:t>
             </a:r>
-            <a:endParaRPr lang="en-US"/>
           </a:p>
         </p:txBody>
       </p:sp>
@@ -2655,38 +2651,37 @@
           <a:p>
             <a:pPr lvl="0"/>
             <a:r>
-              <a:rPr lang="en-US" smtClean="0"/>
+              <a:rPr lang="en-US"/>
               <a:t>Click to edit Master text styles</a:t>
             </a:r>
           </a:p>
           <a:p>
             <a:pPr lvl="1"/>
             <a:r>
-              <a:rPr lang="en-US" smtClean="0"/>
+              <a:rPr lang="en-US"/>
               <a:t>Second level</a:t>
             </a:r>
           </a:p>
           <a:p>
             <a:pPr lvl="2"/>
             <a:r>
-              <a:rPr lang="en-US" smtClean="0"/>
+              <a:rPr lang="en-US"/>
               <a:t>Third level</a:t>
             </a:r>
           </a:p>
           <a:p>
             <a:pPr lvl="3"/>
             <a:r>
-              <a:rPr lang="en-US" smtClean="0"/>
+              <a:rPr lang="en-US"/>
               <a:t>Fourth level</a:t>
             </a:r>
           </a:p>
           <a:p>
             <a:pPr lvl="4"/>
             <a:r>
-              <a:rPr lang="en-US" smtClean="0"/>
+              <a:rPr lang="en-US"/>
               <a:t>Fifth level</a:t>
             </a:r>
-            <a:endParaRPr lang="en-US"/>
           </a:p>
         </p:txBody>
       </p:sp>
@@ -2725,7 +2720,7 @@
           <a:p>
             <a:fld id="{F6D6B451-1FDA-7B46-B0DD-5E4B6F79F8BF}" type="datetimeFigureOut">
               <a:rPr lang="en-US" smtClean="0"/>
-              <a:t>2/27/17</a:t>
+              <a:t>4/17/18</a:t>
             </a:fld>
             <a:endParaRPr lang="en-US"/>
           </a:p>
@@ -3122,7 +3117,7 @@
         </p:blipFill>
         <p:spPr>
           <a:xfrm>
-            <a:off x="0" y="7284"/>
+            <a:off x="0" y="17102"/>
             <a:ext cx="6858000" cy="6840898"/>
           </a:xfrm>
           <a:prstGeom prst="rect">
@@ -3274,19 +3269,15 @@
                 <a:latin typeface="Times New Roman"/>
                 <a:cs typeface="Times New Roman"/>
               </a:rPr>
-              <a:t>r</a:t>
-            </a:r>
-            <a:r>
-              <a:rPr lang="en-US" sz="4800" b="1" i="1" baseline="-25000" dirty="0" smtClean="0">
+              <a:t>s</a:t>
+            </a:r>
+            <a:r>
+              <a:rPr lang="en-US" sz="4800" b="1" i="1" baseline="-25000" dirty="0">
                 <a:latin typeface="Times New Roman"/>
                 <a:cs typeface="Times New Roman"/>
               </a:rPr>
               <a:t>1</a:t>
             </a:r>
-            <a:endParaRPr lang="en-US" sz="4800" b="1" i="1" baseline="-25000" dirty="0">
-              <a:latin typeface="Times New Roman"/>
-              <a:cs typeface="Times New Roman"/>
-            </a:endParaRPr>
           </a:p>
         </p:txBody>
       </p:sp>
@@ -3317,19 +3308,15 @@
                 <a:latin typeface="Times New Roman"/>
                 <a:cs typeface="Times New Roman"/>
               </a:rPr>
-              <a:t>r</a:t>
-            </a:r>
-            <a:r>
-              <a:rPr lang="en-US" sz="4800" b="1" i="1" baseline="-25000" dirty="0" smtClean="0">
+              <a:t>s</a:t>
+            </a:r>
+            <a:r>
+              <a:rPr lang="en-US" sz="4800" b="1" i="1" baseline="-25000" dirty="0">
                 <a:latin typeface="Times New Roman"/>
                 <a:cs typeface="Times New Roman"/>
               </a:rPr>
               <a:t>2</a:t>
             </a:r>
-            <a:endParaRPr lang="en-US" sz="4800" b="1" i="1" baseline="-25000" dirty="0">
-              <a:latin typeface="Times New Roman"/>
-              <a:cs typeface="Times New Roman"/>
-            </a:endParaRPr>
           </a:p>
         </p:txBody>
       </p:sp>
@@ -3356,30 +3343,26 @@
           <a:lstStyle/>
           <a:p>
             <a:r>
-              <a:rPr lang="en-US" sz="4800" dirty="0" smtClean="0">
+              <a:rPr lang="en-US" sz="4800" dirty="0">
                 <a:latin typeface="Times New Roman"/>
                 <a:cs typeface="Times New Roman"/>
               </a:rPr>
               <a:t>Reachable set for </a:t>
             </a:r>
             <a:r>
-              <a:rPr lang="en-US" sz="4800" i="1" dirty="0" smtClean="0">
+              <a:rPr lang="en-US" sz="4800" i="1" dirty="0">
                 <a:latin typeface="Times New Roman"/>
                 <a:cs typeface="Times New Roman"/>
               </a:rPr>
-              <a:t>r</a:t>
-            </a:r>
-            <a:r>
-              <a:rPr lang="en-US" sz="4800" i="1" baseline="-25000" dirty="0" smtClean="0">
+              <a:t>s</a:t>
+            </a:r>
+            <a:r>
+              <a:rPr lang="en-US" sz="4800" i="1" baseline="-25000" dirty="0">
                 <a:latin typeface="Times New Roman"/>
                 <a:cs typeface="Times New Roman"/>
               </a:rPr>
               <a:t>1</a:t>
             </a:r>
-            <a:endParaRPr lang="en-US" sz="4800" i="1" baseline="-25000" dirty="0">
-              <a:latin typeface="Times New Roman"/>
-              <a:cs typeface="Times New Roman"/>
-            </a:endParaRPr>
           </a:p>
         </p:txBody>
       </p:sp>
@@ -3447,26 +3430,22 @@
                 <a:latin typeface="Times New Roman"/>
                 <a:cs typeface="Times New Roman"/>
               </a:rPr>
-              <a:t>r</a:t>
-            </a:r>
-            <a:r>
-              <a:rPr lang="en-US" sz="4800" i="1" baseline="-25000" dirty="0" smtClean="0">
+              <a:t>s</a:t>
+            </a:r>
+            <a:r>
+              <a:rPr lang="en-US" sz="4800" i="1" baseline="-25000" dirty="0">
                 <a:latin typeface="Times New Roman"/>
                 <a:cs typeface="Times New Roman"/>
               </a:rPr>
               <a:t>1</a:t>
             </a:r>
             <a:r>
-              <a:rPr lang="en-US" sz="4800" i="1" dirty="0" smtClean="0">
+              <a:rPr lang="en-US" sz="4800" i="1" dirty="0">
                 <a:latin typeface="Times New Roman"/>
                 <a:cs typeface="Times New Roman"/>
               </a:rPr>
               <a:t>.x</a:t>
             </a:r>
-            <a:endParaRPr lang="en-US" sz="4800" i="1" dirty="0">
-              <a:latin typeface="Times New Roman"/>
-              <a:cs typeface="Times New Roman"/>
-            </a:endParaRPr>
           </a:p>
         </p:txBody>
       </p:sp>
@@ -3534,26 +3513,22 @@
                 <a:latin typeface="Times New Roman"/>
                 <a:cs typeface="Times New Roman"/>
               </a:rPr>
-              <a:t>r</a:t>
-            </a:r>
-            <a:r>
-              <a:rPr lang="en-US" sz="4800" i="1" baseline="-25000" dirty="0" smtClean="0">
+              <a:t>s</a:t>
+            </a:r>
+            <a:r>
+              <a:rPr lang="en-US" sz="4800" i="1" baseline="-25000" dirty="0">
                 <a:latin typeface="Times New Roman"/>
                 <a:cs typeface="Times New Roman"/>
               </a:rPr>
               <a:t>1</a:t>
             </a:r>
             <a:r>
-              <a:rPr lang="en-US" sz="4800" i="1" dirty="0" smtClean="0">
+              <a:rPr lang="en-US" sz="4800" i="1" dirty="0">
                 <a:latin typeface="Times New Roman"/>
                 <a:cs typeface="Times New Roman"/>
               </a:rPr>
               <a:t>.x</a:t>
             </a:r>
-            <a:endParaRPr lang="en-US" sz="4800" i="1" dirty="0">
-              <a:latin typeface="Times New Roman"/>
-              <a:cs typeface="Times New Roman"/>
-            </a:endParaRPr>
           </a:p>
         </p:txBody>
       </p:sp>
@@ -3567,13 +3542,6 @@
   <p:clrMapOvr>
     <a:masterClrMapping/>
   </p:clrMapOvr>
-  <p:timing>
-    <p:tnLst>
-      <p:par>
-        <p:cTn xmlns:p14="http://schemas.microsoft.com/office/powerpoint/2010/main" id="1" dur="indefinite" restart="never" nodeType="tmRoot"/>
-      </p:par>
-    </p:tnLst>
-  </p:timing>
 </p:sld>
 </file>
 

--- a/journalWallFriction/pictures/pdf/twoRobotRegionH.pptx
+++ b/journalWallFriction/pictures/pdf/twoRobotRegionH.pptx
@@ -3532,6 +3532,170 @@
           </a:p>
         </p:txBody>
       </p:sp>
+      <p:cxnSp>
+        <p:nvCxnSpPr>
+          <p:cNvPr id="14" name="Straight Arrow Connector 13">
+            <a:extLst>
+              <a:ext uri="{FF2B5EF4-FFF2-40B4-BE49-F238E27FC236}">
+                <a16:creationId xmlns:a16="http://schemas.microsoft.com/office/drawing/2014/main" id="{9C281544-7A27-014A-8AEE-6A8E613D448F}"/>
+              </a:ext>
+            </a:extLst>
+          </p:cNvPr>
+          <p:cNvCxnSpPr>
+            <a:cxnSpLocks/>
+          </p:cNvCxnSpPr>
+          <p:nvPr/>
+        </p:nvCxnSpPr>
+        <p:spPr>
+          <a:xfrm>
+            <a:off x="205082" y="494323"/>
+            <a:ext cx="6484168" cy="0"/>
+          </a:xfrm>
+          <a:prstGeom prst="straightConnector1">
+            <a:avLst/>
+          </a:prstGeom>
+          <a:ln>
+            <a:solidFill>
+              <a:srgbClr val="000000"/>
+            </a:solidFill>
+            <a:headEnd type="arrow"/>
+            <a:tailEnd type="arrow"/>
+          </a:ln>
+        </p:spPr>
+        <p:style>
+          <a:lnRef idx="2">
+            <a:schemeClr val="accent1"/>
+          </a:lnRef>
+          <a:fillRef idx="0">
+            <a:schemeClr val="accent1"/>
+          </a:fillRef>
+          <a:effectRef idx="1">
+            <a:schemeClr val="accent1"/>
+          </a:effectRef>
+          <a:fontRef idx="minor">
+            <a:schemeClr val="tx1"/>
+          </a:fontRef>
+        </p:style>
+      </p:cxnSp>
+      <p:sp>
+        <p:nvSpPr>
+          <p:cNvPr id="5" name="TextBox 4">
+            <a:extLst>
+              <a:ext uri="{FF2B5EF4-FFF2-40B4-BE49-F238E27FC236}">
+                <a16:creationId xmlns:a16="http://schemas.microsoft.com/office/drawing/2014/main" id="{5D75AFB7-B30B-E747-9660-0873A721833F}"/>
+              </a:ext>
+            </a:extLst>
+          </p:cNvPr>
+          <p:cNvSpPr txBox="1"/>
+          <p:nvPr/>
+        </p:nvSpPr>
+        <p:spPr>
+          <a:xfrm>
+            <a:off x="2591212" y="390392"/>
+            <a:ext cx="628732" cy="830997"/>
+          </a:xfrm>
+          <a:prstGeom prst="rect">
+            <a:avLst/>
+          </a:prstGeom>
+          <a:noFill/>
+        </p:spPr>
+        <p:txBody>
+          <a:bodyPr wrap="square" rtlCol="0">
+            <a:spAutoFit/>
+          </a:bodyPr>
+          <a:lstStyle/>
+          <a:p>
+            <a:r>
+              <a:rPr lang="en-US" sz="4800" i="1" dirty="0">
+                <a:latin typeface="Times" pitchFamily="2" charset="0"/>
+              </a:rPr>
+              <a:t>L</a:t>
+            </a:r>
+          </a:p>
+        </p:txBody>
+      </p:sp>
+      <p:cxnSp>
+        <p:nvCxnSpPr>
+          <p:cNvPr id="20" name="Straight Arrow Connector 19">
+            <a:extLst>
+              <a:ext uri="{FF2B5EF4-FFF2-40B4-BE49-F238E27FC236}">
+                <a16:creationId xmlns:a16="http://schemas.microsoft.com/office/drawing/2014/main" id="{9D847CB8-5B58-3349-B0E0-B6ED47E40144}"/>
+              </a:ext>
+            </a:extLst>
+          </p:cNvPr>
+          <p:cNvCxnSpPr>
+            <a:cxnSpLocks/>
+          </p:cNvCxnSpPr>
+          <p:nvPr/>
+        </p:nvCxnSpPr>
+        <p:spPr>
+          <a:xfrm>
+            <a:off x="6460332" y="208085"/>
+            <a:ext cx="0" cy="6500848"/>
+          </a:xfrm>
+          <a:prstGeom prst="straightConnector1">
+            <a:avLst/>
+          </a:prstGeom>
+          <a:ln>
+            <a:solidFill>
+              <a:srgbClr val="000000"/>
+            </a:solidFill>
+            <a:headEnd type="arrow"/>
+            <a:tailEnd type="arrow"/>
+          </a:ln>
+        </p:spPr>
+        <p:style>
+          <a:lnRef idx="2">
+            <a:schemeClr val="accent1"/>
+          </a:lnRef>
+          <a:fillRef idx="0">
+            <a:schemeClr val="accent1"/>
+          </a:fillRef>
+          <a:effectRef idx="1">
+            <a:schemeClr val="accent1"/>
+          </a:effectRef>
+          <a:fontRef idx="minor">
+            <a:schemeClr val="tx1"/>
+          </a:fontRef>
+        </p:style>
+      </p:cxnSp>
+      <p:sp>
+        <p:nvSpPr>
+          <p:cNvPr id="21" name="TextBox 20">
+            <a:extLst>
+              <a:ext uri="{FF2B5EF4-FFF2-40B4-BE49-F238E27FC236}">
+                <a16:creationId xmlns:a16="http://schemas.microsoft.com/office/drawing/2014/main" id="{53C993E0-B30E-6D49-886B-3BDEDD163DAD}"/>
+              </a:ext>
+            </a:extLst>
+          </p:cNvPr>
+          <p:cNvSpPr txBox="1"/>
+          <p:nvPr/>
+        </p:nvSpPr>
+        <p:spPr>
+          <a:xfrm>
+            <a:off x="5934029" y="2726181"/>
+            <a:ext cx="628732" cy="830997"/>
+          </a:xfrm>
+          <a:prstGeom prst="rect">
+            <a:avLst/>
+          </a:prstGeom>
+          <a:noFill/>
+        </p:spPr>
+        <p:txBody>
+          <a:bodyPr wrap="square" rtlCol="0">
+            <a:spAutoFit/>
+          </a:bodyPr>
+          <a:lstStyle/>
+          <a:p>
+            <a:r>
+              <a:rPr lang="en-US" sz="4800" i="1" dirty="0">
+                <a:latin typeface="Times" pitchFamily="2" charset="0"/>
+              </a:rPr>
+              <a:t>L</a:t>
+            </a:r>
+          </a:p>
+        </p:txBody>
+      </p:sp>
     </p:spTree>
     <p:extLst>
       <p:ext uri="{BB962C8B-B14F-4D97-AF65-F5344CB8AC3E}">

--- a/journalWallFriction/pictures/pdf/twoRobotRegionH.pptx
+++ b/journalWallFriction/pictures/pdf/twoRobotRegionH.pptx
@@ -302,7 +302,7 @@
           <a:p>
             <a:fld id="{F6D6B451-1FDA-7B46-B0DD-5E4B6F79F8BF}" type="datetimeFigureOut">
               <a:rPr lang="en-US" smtClean="0"/>
-              <a:t>4/17/18</a:t>
+              <a:t>5/22/18</a:t>
             </a:fld>
             <a:endParaRPr lang="en-US"/>
           </a:p>
@@ -470,7 +470,7 @@
           <a:p>
             <a:fld id="{F6D6B451-1FDA-7B46-B0DD-5E4B6F79F8BF}" type="datetimeFigureOut">
               <a:rPr lang="en-US" smtClean="0"/>
-              <a:t>4/17/18</a:t>
+              <a:t>5/22/18</a:t>
             </a:fld>
             <a:endParaRPr lang="en-US"/>
           </a:p>
@@ -648,7 +648,7 @@
           <a:p>
             <a:fld id="{F6D6B451-1FDA-7B46-B0DD-5E4B6F79F8BF}" type="datetimeFigureOut">
               <a:rPr lang="en-US" smtClean="0"/>
-              <a:t>4/17/18</a:t>
+              <a:t>5/22/18</a:t>
             </a:fld>
             <a:endParaRPr lang="en-US"/>
           </a:p>
@@ -816,7 +816,7 @@
           <a:p>
             <a:fld id="{F6D6B451-1FDA-7B46-B0DD-5E4B6F79F8BF}" type="datetimeFigureOut">
               <a:rPr lang="en-US" smtClean="0"/>
-              <a:t>4/17/18</a:t>
+              <a:t>5/22/18</a:t>
             </a:fld>
             <a:endParaRPr lang="en-US"/>
           </a:p>
@@ -1061,7 +1061,7 @@
           <a:p>
             <a:fld id="{F6D6B451-1FDA-7B46-B0DD-5E4B6F79F8BF}" type="datetimeFigureOut">
               <a:rPr lang="en-US" smtClean="0"/>
-              <a:t>4/17/18</a:t>
+              <a:t>5/22/18</a:t>
             </a:fld>
             <a:endParaRPr lang="en-US"/>
           </a:p>
@@ -1346,7 +1346,7 @@
           <a:p>
             <a:fld id="{F6D6B451-1FDA-7B46-B0DD-5E4B6F79F8BF}" type="datetimeFigureOut">
               <a:rPr lang="en-US" smtClean="0"/>
-              <a:t>4/17/18</a:t>
+              <a:t>5/22/18</a:t>
             </a:fld>
             <a:endParaRPr lang="en-US"/>
           </a:p>
@@ -1770,7 +1770,7 @@
           <a:p>
             <a:fld id="{F6D6B451-1FDA-7B46-B0DD-5E4B6F79F8BF}" type="datetimeFigureOut">
               <a:rPr lang="en-US" smtClean="0"/>
-              <a:t>4/17/18</a:t>
+              <a:t>5/22/18</a:t>
             </a:fld>
             <a:endParaRPr lang="en-US"/>
           </a:p>
@@ -1887,7 +1887,7 @@
           <a:p>
             <a:fld id="{F6D6B451-1FDA-7B46-B0DD-5E4B6F79F8BF}" type="datetimeFigureOut">
               <a:rPr lang="en-US" smtClean="0"/>
-              <a:t>4/17/18</a:t>
+              <a:t>5/22/18</a:t>
             </a:fld>
             <a:endParaRPr lang="en-US"/>
           </a:p>
@@ -1982,7 +1982,7 @@
           <a:p>
             <a:fld id="{F6D6B451-1FDA-7B46-B0DD-5E4B6F79F8BF}" type="datetimeFigureOut">
               <a:rPr lang="en-US" smtClean="0"/>
-              <a:t>4/17/18</a:t>
+              <a:t>5/22/18</a:t>
             </a:fld>
             <a:endParaRPr lang="en-US"/>
           </a:p>
@@ -2257,7 +2257,7 @@
           <a:p>
             <a:fld id="{F6D6B451-1FDA-7B46-B0DD-5E4B6F79F8BF}" type="datetimeFigureOut">
               <a:rPr lang="en-US" smtClean="0"/>
-              <a:t>4/17/18</a:t>
+              <a:t>5/22/18</a:t>
             </a:fld>
             <a:endParaRPr lang="en-US"/>
           </a:p>
@@ -2509,7 +2509,7 @@
           <a:p>
             <a:fld id="{F6D6B451-1FDA-7B46-B0DD-5E4B6F79F8BF}" type="datetimeFigureOut">
               <a:rPr lang="en-US" smtClean="0"/>
-              <a:t>4/17/18</a:t>
+              <a:t>5/22/18</a:t>
             </a:fld>
             <a:endParaRPr lang="en-US"/>
           </a:p>
@@ -2720,7 +2720,7 @@
           <a:p>
             <a:fld id="{F6D6B451-1FDA-7B46-B0DD-5E4B6F79F8BF}" type="datetimeFigureOut">
               <a:rPr lang="en-US" smtClean="0"/>
-              <a:t>4/17/18</a:t>
+              <a:t>5/22/18</a:t>
             </a:fld>
             <a:endParaRPr lang="en-US"/>
           </a:p>
@@ -3172,12 +3172,12 @@
           <a:prstGeom prst="rect">
             <a:avLst/>
           </a:prstGeom>
-          <a:blipFill rotWithShape="1">
-            <a:blip r:embed="rId3">
-              <a:alphaModFix amt="28000"/>
-            </a:blip>
-            <a:tile tx="0" ty="0" sx="100000" sy="100000" flip="none" algn="tl"/>
-          </a:blipFill>
+          <a:solidFill>
+            <a:schemeClr val="accent1">
+              <a:lumMod val="40000"/>
+              <a:lumOff val="60000"/>
+            </a:schemeClr>
+          </a:solidFill>
           <a:ln>
             <a:noFill/>
           </a:ln>
@@ -3328,8 +3328,8 @@
         </p:nvSpPr>
         <p:spPr>
           <a:xfrm>
-            <a:off x="36512" y="5147992"/>
-            <a:ext cx="5241925" cy="830997"/>
+            <a:off x="128977" y="5147992"/>
+            <a:ext cx="7761573" cy="707886"/>
           </a:xfrm>
           <a:prstGeom prst="rect">
             <a:avLst/>
@@ -3343,21 +3343,28 @@
           <a:lstStyle/>
           <a:p>
             <a:r>
-              <a:rPr lang="en-US" sz="4800" dirty="0">
+              <a:rPr lang="en-US" sz="4000">
                 <a:latin typeface="Times New Roman"/>
                 <a:cs typeface="Times New Roman"/>
               </a:rPr>
-              <a:t>Reachable set for </a:t>
-            </a:r>
-            <a:r>
-              <a:rPr lang="en-US" sz="4800" i="1" dirty="0">
+              <a:t>2-move reachable </a:t>
+            </a:r>
+            <a:r>
+              <a:rPr lang="en-US" sz="4000" dirty="0">
+                <a:latin typeface="Times New Roman"/>
+                <a:cs typeface="Times New Roman"/>
+              </a:rPr>
+              <a:t>set for </a:t>
+            </a:r>
+            <a:r>
+              <a:rPr lang="en-US" sz="4000" i="1" dirty="0">
                 <a:latin typeface="Times New Roman"/>
                 <a:cs typeface="Times New Roman"/>
               </a:rPr>
               <a:t>s</a:t>
             </a:r>
             <a:r>
-              <a:rPr lang="en-US" sz="4800" i="1" baseline="-25000" dirty="0">
+              <a:rPr lang="en-US" sz="4000" i="1" baseline="-25000" dirty="0">
                 <a:latin typeface="Times New Roman"/>
                 <a:cs typeface="Times New Roman"/>
               </a:rPr>
